--- a/BCI - Day11 - Nodejs.pptx
+++ b/BCI - Day11 - Nodejs.pptx
@@ -18,14 +18,6 @@
     <p:sldId id="1842" r:id="rId11"/>
     <p:sldId id="1816" r:id="rId12"/>
     <p:sldId id="1817" r:id="rId13"/>
-    <p:sldId id="1818" r:id="rId14"/>
-    <p:sldId id="1819" r:id="rId15"/>
-    <p:sldId id="1820" r:id="rId16"/>
-    <p:sldId id="1821" r:id="rId17"/>
-    <p:sldId id="1822" r:id="rId18"/>
-    <p:sldId id="1823" r:id="rId19"/>
-    <p:sldId id="1575" r:id="rId20"/>
-    <p:sldId id="1577" r:id="rId21"/>
   </p:sldIdLst>
   <p:sldSz cx="9144000" cy="6858000" type="screen4x3"/>
   <p:notesSz cx="7315200" cy="9601200"/>
@@ -7324,103 +7316,24 @@
       </p:sp>
       <p:sp>
         <p:nvSpPr>
-          <p:cNvPr id="3" name="内容占位符 2"/>
-          <p:cNvSpPr/>
+          <p:cNvPr id="4" name="Content Placeholder 2"/>
+          <p:cNvSpPr>
+            <a:spLocks noGrp="1"/>
+          </p:cNvSpPr>
           <p:nvPr>
             <p:ph idx="1"/>
           </p:nvPr>
         </p:nvSpPr>
-        <p:spPr/>
-        <p:txBody>
-          <a:bodyPr/>
-          <a:p>
-            <a:endParaRPr lang="zh-CN" altLang="en-US"/>
-          </a:p>
-        </p:txBody>
-      </p:sp>
-    </p:spTree>
-  </p:cSld>
-  <p:clrMapOvr>
-    <a:masterClrMapping/>
-  </p:clrMapOvr>
-</p:sld>
-</file>
-
-<file path=ppt/slides/slide11.xml><?xml version="1.0" encoding="utf-8"?>
-<p:sld xmlns:a="http://schemas.openxmlformats.org/drawingml/2006/main" xmlns:r="http://schemas.openxmlformats.org/officeDocument/2006/relationships" xmlns:p="http://schemas.openxmlformats.org/presentationml/2006/main">
-  <p:cSld>
-    <p:spTree>
-      <p:nvGrpSpPr>
-        <p:cNvPr id="1" name=""/>
-        <p:cNvGrpSpPr/>
-        <p:nvPr/>
-      </p:nvGrpSpPr>
-      <p:grpSpPr>
-        <a:xfrm>
-          <a:off x="0" y="0"/>
-          <a:ext cx="0" cy="0"/>
-          <a:chOff x="0" y="0"/>
-          <a:chExt cx="0" cy="0"/>
-        </a:xfrm>
-      </p:grpSpPr>
-      <p:sp>
-        <p:nvSpPr>
-          <p:cNvPr id="2" name="Title 1"/>
-          <p:cNvSpPr>
-            <a:spLocks noGrp="1"/>
-          </p:cNvSpPr>
-          <p:nvPr>
-            <p:ph type="title"/>
-          </p:nvPr>
-        </p:nvSpPr>
         <p:spPr>
           <a:xfrm>
-            <a:off x="628650" y="155263"/>
-            <a:ext cx="7886700" cy="526790"/>
+            <a:off x="628650" y="989330"/>
+            <a:ext cx="7886700" cy="5259705"/>
           </a:xfrm>
         </p:spPr>
         <p:txBody>
           <a:bodyPr>
-            <a:normAutofit fontScale="90000"/>
+            <a:normAutofit/>
           </a:bodyPr>
-          <a:lstStyle/>
-          <a:p>
-            <a:pPr algn="ctr"/>
-            <a:r>
-              <a:rPr lang="en-US" sz="3200" b="1" dirty="0">
-                <a:latin typeface="Calibri" panose="020F0502020204030204" pitchFamily="34" charset="0"/>
-                <a:cs typeface="Calibri" panose="020F0502020204030204" pitchFamily="34" charset="0"/>
-              </a:rPr>
-              <a:t>Architeture Explanation</a:t>
-            </a:r>
-            <a:endParaRPr lang="en-US" sz="3200" b="1" dirty="0">
-              <a:latin typeface="Calibri" panose="020F0502020204030204" pitchFamily="34" charset="0"/>
-              <a:cs typeface="Calibri" panose="020F0502020204030204" pitchFamily="34" charset="0"/>
-            </a:endParaRPr>
-          </a:p>
-        </p:txBody>
-      </p:sp>
-      <p:sp>
-        <p:nvSpPr>
-          <p:cNvPr id="3" name="Content Placeholder 2"/>
-          <p:cNvSpPr>
-            <a:spLocks noGrp="1"/>
-          </p:cNvSpPr>
-          <p:nvPr>
-            <p:ph idx="1"/>
-          </p:nvPr>
-        </p:nvSpPr>
-        <p:spPr>
-          <a:xfrm>
-            <a:off x="628650" y="989044"/>
-            <a:ext cx="7886700" cy="5605719"/>
-          </a:xfrm>
-        </p:spPr>
-        <p:txBody>
-          <a:bodyPr>
-            <a:normAutofit lnSpcReduction="10000"/>
-          </a:bodyPr>
-          <a:lstStyle/>
           <a:p>
             <a:pPr defTabSz="342900">
               <a:lnSpc>
@@ -7433,849 +7346,13 @@
                   <a:srgbClr val="262626"/>
                 </a:solidFill>
               </a:rPr>
-              <a:t>Membership services: This module is essentially a permissioning module and acts as a vehicle to establish a root of trust during network creation, but this is also instrumental in ensuring and managing the identity of members. Membership services are essentially a certificate authority as well as utilized elements of the public key infrastructure (PKI) for things such as key distribution, management, and establishing federated trust as the network grows. The membership services module provides a specialized digital certificate authority for issuing certificates to members of the blockchain network, and it leverages cryptographic functions provided by Hyperledger Fabric.</a:t>
+              <a:t>https://github.com/onebit256/node-mvc-api</a:t>
             </a:r>
             <a:endParaRPr lang="en-US" altLang="en-US" sz="1800" dirty="0">
               <a:solidFill>
                 <a:srgbClr val="262626"/>
               </a:solidFill>
             </a:endParaRPr>
-          </a:p>
-          <a:p>
-            <a:pPr defTabSz="342900">
-              <a:lnSpc>
-                <a:spcPct val="120000"/>
-              </a:lnSpc>
-            </a:pPr>
-            <a:r>
-              <a:rPr lang="en-US" altLang="en-US" sz="1800" dirty="0">
-                <a:solidFill>
-                  <a:srgbClr val="262626"/>
-                </a:solidFill>
-              </a:rPr>
-              <a:t>Transactions: A transaction is a request to the blockchain to execute a function on the ledger. The function is implemented by a chaincode. Cryptography ensures integrity of transactions by linking the transaction to previous blocks and ensuring the transactional integrity, if protected, by linking the cryptogram or hash from previously linked blocks. Each channel in Hyperledger Fabric is its own blockchain.</a:t>
-            </a:r>
-            <a:endParaRPr lang="en-US" altLang="en-US" sz="1800" dirty="0">
-              <a:solidFill>
-                <a:srgbClr val="262626"/>
-              </a:solidFill>
-            </a:endParaRPr>
-          </a:p>
-        </p:txBody>
-      </p:sp>
-    </p:spTree>
-  </p:cSld>
-  <p:clrMapOvr>
-    <a:masterClrMapping/>
-  </p:clrMapOvr>
-</p:sld>
-</file>
-
-<file path=ppt/slides/slide12.xml><?xml version="1.0" encoding="utf-8"?>
-<p:sld xmlns:a="http://schemas.openxmlformats.org/drawingml/2006/main" xmlns:r="http://schemas.openxmlformats.org/officeDocument/2006/relationships" xmlns:p="http://schemas.openxmlformats.org/presentationml/2006/main">
-  <p:cSld>
-    <p:spTree>
-      <p:nvGrpSpPr>
-        <p:cNvPr id="1" name=""/>
-        <p:cNvGrpSpPr/>
-        <p:nvPr/>
-      </p:nvGrpSpPr>
-      <p:grpSpPr>
-        <a:xfrm>
-          <a:off x="0" y="0"/>
-          <a:ext cx="0" cy="0"/>
-          <a:chOff x="0" y="0"/>
-          <a:chExt cx="0" cy="0"/>
-        </a:xfrm>
-      </p:grpSpPr>
-      <p:sp>
-        <p:nvSpPr>
-          <p:cNvPr id="2" name="Title 1"/>
-          <p:cNvSpPr>
-            <a:spLocks noGrp="1"/>
-          </p:cNvSpPr>
-          <p:nvPr>
-            <p:ph type="title"/>
-          </p:nvPr>
-        </p:nvSpPr>
-        <p:spPr>
-          <a:xfrm>
-            <a:off x="628650" y="155263"/>
-            <a:ext cx="7886700" cy="526790"/>
-          </a:xfrm>
-        </p:spPr>
-        <p:txBody>
-          <a:bodyPr>
-            <a:normAutofit fontScale="90000"/>
-          </a:bodyPr>
-          <a:lstStyle/>
-          <a:p>
-            <a:pPr algn="ctr"/>
-            <a:r>
-              <a:rPr lang="en-US" sz="3200" b="1" dirty="0">
-                <a:latin typeface="Calibri" panose="020F0502020204030204" pitchFamily="34" charset="0"/>
-                <a:cs typeface="Calibri" panose="020F0502020204030204" pitchFamily="34" charset="0"/>
-              </a:rPr>
-              <a:t>Architeture Explanation</a:t>
-            </a:r>
-            <a:endParaRPr lang="en-US" sz="3200" b="1" dirty="0">
-              <a:latin typeface="Calibri" panose="020F0502020204030204" pitchFamily="34" charset="0"/>
-              <a:cs typeface="Calibri" panose="020F0502020204030204" pitchFamily="34" charset="0"/>
-            </a:endParaRPr>
-          </a:p>
-        </p:txBody>
-      </p:sp>
-      <p:sp>
-        <p:nvSpPr>
-          <p:cNvPr id="3" name="Content Placeholder 2"/>
-          <p:cNvSpPr>
-            <a:spLocks noGrp="1"/>
-          </p:cNvSpPr>
-          <p:nvPr>
-            <p:ph idx="1"/>
-          </p:nvPr>
-        </p:nvSpPr>
-        <p:spPr>
-          <a:xfrm>
-            <a:off x="628650" y="989044"/>
-            <a:ext cx="7886700" cy="5605719"/>
-          </a:xfrm>
-        </p:spPr>
-        <p:txBody>
-          <a:bodyPr>
-            <a:normAutofit lnSpcReduction="10000"/>
-          </a:bodyPr>
-          <a:lstStyle/>
-          <a:p>
-            <a:pPr defTabSz="342900">
-              <a:lnSpc>
-                <a:spcPct val="120000"/>
-              </a:lnSpc>
-            </a:pPr>
-            <a:r>
-              <a:rPr lang="en-US" altLang="en-US" sz="1800" dirty="0">
-                <a:solidFill>
-                  <a:srgbClr val="262626"/>
-                </a:solidFill>
-              </a:rPr>
-              <a:t>Smart contract or chaincode services: Chaincode is an application-level code stored on the ledger as a part of a transaction. Chaincode runs transactions that may modify the world state. Transaction logic is written as chaincode (in the Go or JavaScript languages), and executes in secure Docker containers. The transaction transforms data, scoped by chaincode on the channel from which it operates.</a:t>
-            </a:r>
-            <a:endParaRPr lang="en-US" altLang="en-US" sz="1800" dirty="0">
-              <a:solidFill>
-                <a:srgbClr val="262626"/>
-              </a:solidFill>
-            </a:endParaRPr>
-          </a:p>
-          <a:p>
-            <a:pPr defTabSz="342900">
-              <a:lnSpc>
-                <a:spcPct val="120000"/>
-              </a:lnSpc>
-            </a:pPr>
-            <a:r>
-              <a:rPr lang="en-US" altLang="en-US" sz="1800" dirty="0">
-                <a:solidFill>
-                  <a:srgbClr val="262626"/>
-                </a:solidFill>
-              </a:rPr>
-              <a:t>Events: The process of validating peers and chaincodes can produce events (pre-defined events and custom events generated by chaincode) on the network that applications may listen for and take actions on. These events are consumed by event adapters, which may further deliver events using vehicles such as WebHooks or Kafka. Fabric-committing peers provide an event stream to publish events to registered listeners. As of v1.0, the only events that get published are Block events. A Block event gets published whenever the committing peer adds a validated block to the ledger:</a:t>
-            </a:r>
-            <a:endParaRPr lang="en-US" altLang="en-US" sz="1800" dirty="0">
-              <a:solidFill>
-                <a:srgbClr val="262626"/>
-              </a:solidFill>
-            </a:endParaRPr>
-          </a:p>
-        </p:txBody>
-      </p:sp>
-    </p:spTree>
-  </p:cSld>
-  <p:clrMapOvr>
-    <a:masterClrMapping/>
-  </p:clrMapOvr>
-</p:sld>
-</file>
-
-<file path=ppt/slides/slide13.xml><?xml version="1.0" encoding="utf-8"?>
-<p:sld xmlns:a="http://schemas.openxmlformats.org/drawingml/2006/main" xmlns:r="http://schemas.openxmlformats.org/officeDocument/2006/relationships" xmlns:p="http://schemas.openxmlformats.org/presentationml/2006/main">
-  <p:cSld>
-    <p:spTree>
-      <p:nvGrpSpPr>
-        <p:cNvPr id="1" name=""/>
-        <p:cNvGrpSpPr/>
-        <p:nvPr/>
-      </p:nvGrpSpPr>
-      <p:grpSpPr>
-        <a:xfrm>
-          <a:off x="0" y="0"/>
-          <a:ext cx="0" cy="0"/>
-          <a:chOff x="0" y="0"/>
-          <a:chExt cx="0" cy="0"/>
-        </a:xfrm>
-      </p:grpSpPr>
-      <p:sp>
-        <p:nvSpPr>
-          <p:cNvPr id="2" name="Title 1"/>
-          <p:cNvSpPr>
-            <a:spLocks noGrp="1"/>
-          </p:cNvSpPr>
-          <p:nvPr>
-            <p:ph type="title"/>
-          </p:nvPr>
-        </p:nvSpPr>
-        <p:spPr>
-          <a:xfrm>
-            <a:off x="628650" y="155263"/>
-            <a:ext cx="7886700" cy="526790"/>
-          </a:xfrm>
-        </p:spPr>
-        <p:txBody>
-          <a:bodyPr>
-            <a:normAutofit fontScale="90000"/>
-          </a:bodyPr>
-          <a:lstStyle/>
-          <a:p>
-            <a:pPr algn="ctr"/>
-            <a:r>
-              <a:rPr lang="en-US" sz="3200" b="1" dirty="0">
-                <a:latin typeface="Calibri" panose="020F0502020204030204" pitchFamily="34" charset="0"/>
-                <a:cs typeface="Calibri" panose="020F0502020204030204" pitchFamily="34" charset="0"/>
-              </a:rPr>
-              <a:t>Architeture Explanation</a:t>
-            </a:r>
-            <a:endParaRPr lang="en-US" sz="3200" b="1" dirty="0">
-              <a:latin typeface="Calibri" panose="020F0502020204030204" pitchFamily="34" charset="0"/>
-              <a:cs typeface="Calibri" panose="020F0502020204030204" pitchFamily="34" charset="0"/>
-            </a:endParaRPr>
-          </a:p>
-        </p:txBody>
-      </p:sp>
-      <p:sp>
-        <p:nvSpPr>
-          <p:cNvPr id="3" name="Content Placeholder 2"/>
-          <p:cNvSpPr>
-            <a:spLocks noGrp="1"/>
-          </p:cNvSpPr>
-          <p:nvPr>
-            <p:ph idx="1"/>
-          </p:nvPr>
-        </p:nvSpPr>
-        <p:spPr>
-          <a:xfrm>
-            <a:off x="628650" y="989044"/>
-            <a:ext cx="7886700" cy="5605719"/>
-          </a:xfrm>
-        </p:spPr>
-        <p:txBody>
-          <a:bodyPr>
-            <a:normAutofit lnSpcReduction="10000"/>
-          </a:bodyPr>
-          <a:lstStyle/>
-          <a:p>
-            <a:pPr defTabSz="342900">
-              <a:lnSpc>
-                <a:spcPct val="120000"/>
-              </a:lnSpc>
-            </a:pPr>
-            <a:r>
-              <a:rPr lang="en-US" altLang="en-US" sz="1800" dirty="0">
-                <a:solidFill>
-                  <a:srgbClr val="262626"/>
-                </a:solidFill>
-              </a:rPr>
-              <a:t>Consensus: Consensus is at the heart of any blockchain system. It also enables a trust system. In general, the consensus service enables digitally signed transactions to be proposed and validated by network members. In Hyperledger Fabric, the consensus is pluggable and tightly linked to the endorse-order-validation model that Hyperledger proposes. The ordering services in Hyperledger Fabric represent the consensus system. The ordering service batches multiple transactions into blocks and outputs a hash-chained sequence of blocks containing transactions. </a:t>
-            </a:r>
-            <a:endParaRPr lang="en-US" altLang="en-US" sz="1800" dirty="0">
-              <a:solidFill>
-                <a:srgbClr val="262626"/>
-              </a:solidFill>
-            </a:endParaRPr>
-          </a:p>
-          <a:p>
-            <a:pPr defTabSz="342900">
-              <a:lnSpc>
-                <a:spcPct val="120000"/>
-              </a:lnSpc>
-            </a:pPr>
-            <a:r>
-              <a:rPr lang="en-US" altLang="en-US" sz="1800" dirty="0">
-                <a:solidFill>
-                  <a:srgbClr val="262626"/>
-                </a:solidFill>
-              </a:rPr>
-              <a:t>Ledger: Another component is a distributed encrypted ledger, including an append-only data store. This provides the ability to query and write data across distributed ledgers. There are two options: Level DB (default embedded KV DB) supports keyed queries, composite key queries, and key range queries Couch DB (external option) supports keyed queries, composite key queries, key range queries, plus full data rich queries</a:t>
-            </a:r>
-            <a:endParaRPr lang="en-US" altLang="en-US" sz="1800" dirty="0">
-              <a:solidFill>
-                <a:srgbClr val="262626"/>
-              </a:solidFill>
-            </a:endParaRPr>
-          </a:p>
-        </p:txBody>
-      </p:sp>
-    </p:spTree>
-  </p:cSld>
-  <p:clrMapOvr>
-    <a:masterClrMapping/>
-  </p:clrMapOvr>
-</p:sld>
-</file>
-
-<file path=ppt/slides/slide14.xml><?xml version="1.0" encoding="utf-8"?>
-<p:sld xmlns:a="http://schemas.openxmlformats.org/drawingml/2006/main" xmlns:r="http://schemas.openxmlformats.org/officeDocument/2006/relationships" xmlns:p="http://schemas.openxmlformats.org/presentationml/2006/main">
-  <p:cSld>
-    <p:spTree>
-      <p:nvGrpSpPr>
-        <p:cNvPr id="1" name=""/>
-        <p:cNvGrpSpPr/>
-        <p:nvPr/>
-      </p:nvGrpSpPr>
-      <p:grpSpPr>
-        <a:xfrm>
-          <a:off x="0" y="0"/>
-          <a:ext cx="0" cy="0"/>
-          <a:chOff x="0" y="0"/>
-          <a:chExt cx="0" cy="0"/>
-        </a:xfrm>
-      </p:grpSpPr>
-      <p:sp>
-        <p:nvSpPr>
-          <p:cNvPr id="2" name="Title 1"/>
-          <p:cNvSpPr>
-            <a:spLocks noGrp="1"/>
-          </p:cNvSpPr>
-          <p:nvPr>
-            <p:ph type="title"/>
-          </p:nvPr>
-        </p:nvSpPr>
-        <p:spPr>
-          <a:xfrm>
-            <a:off x="628650" y="155263"/>
-            <a:ext cx="7886700" cy="526790"/>
-          </a:xfrm>
-        </p:spPr>
-        <p:txBody>
-          <a:bodyPr>
-            <a:normAutofit fontScale="90000"/>
-          </a:bodyPr>
-          <a:lstStyle/>
-          <a:p>
-            <a:pPr algn="ctr"/>
-            <a:r>
-              <a:rPr lang="en-US" sz="3200" b="1" dirty="0">
-                <a:latin typeface="Calibri" panose="020F0502020204030204" pitchFamily="34" charset="0"/>
-                <a:cs typeface="Calibri" panose="020F0502020204030204" pitchFamily="34" charset="0"/>
-              </a:rPr>
-              <a:t>Architeture Explanation</a:t>
-            </a:r>
-            <a:endParaRPr lang="en-US" sz="3200" b="1" dirty="0">
-              <a:latin typeface="Calibri" panose="020F0502020204030204" pitchFamily="34" charset="0"/>
-              <a:cs typeface="Calibri" panose="020F0502020204030204" pitchFamily="34" charset="0"/>
-            </a:endParaRPr>
-          </a:p>
-        </p:txBody>
-      </p:sp>
-      <p:sp>
-        <p:nvSpPr>
-          <p:cNvPr id="3" name="Content Placeholder 2"/>
-          <p:cNvSpPr>
-            <a:spLocks noGrp="1"/>
-          </p:cNvSpPr>
-          <p:nvPr>
-            <p:ph idx="1"/>
-          </p:nvPr>
-        </p:nvSpPr>
-        <p:spPr>
-          <a:xfrm>
-            <a:off x="628650" y="989044"/>
-            <a:ext cx="7886700" cy="5605719"/>
-          </a:xfrm>
-        </p:spPr>
-        <p:txBody>
-          <a:bodyPr>
-            <a:normAutofit lnSpcReduction="10000"/>
-          </a:bodyPr>
-          <a:lstStyle/>
-          <a:p>
-            <a:pPr defTabSz="342900">
-              <a:lnSpc>
-                <a:spcPct val="120000"/>
-              </a:lnSpc>
-            </a:pPr>
-            <a:r>
-              <a:rPr lang="en-US" altLang="en-US" sz="1800" dirty="0">
-                <a:solidFill>
-                  <a:srgbClr val="262626"/>
-                </a:solidFill>
-              </a:rPr>
-              <a:t>Client SDK: A client SDK enables the creation of applications that deploy and invoke transactions atop a shared ledger. The Hyperledger Fabric Reference Architecture supports both Node.js and Java SDK. A software developer kit is like a programming kit or set of tools that provide developers with the environment of libraries to write and test chaincode applications. SDKs are critical in blockchain application development and will be discussed in detail in further chapters. Specific capabilities included in the SDK are the application client, chaincode, users, events, and crypto suite.</a:t>
-            </a:r>
-            <a:endParaRPr lang="en-US" altLang="en-US" sz="1800" dirty="0">
-              <a:solidFill>
-                <a:srgbClr val="262626"/>
-              </a:solidFill>
-            </a:endParaRPr>
-          </a:p>
-        </p:txBody>
-      </p:sp>
-    </p:spTree>
-  </p:cSld>
-  <p:clrMapOvr>
-    <a:masterClrMapping/>
-  </p:clrMapOvr>
-</p:sld>
-</file>
-
-<file path=ppt/slides/slide15.xml><?xml version="1.0" encoding="utf-8"?>
-<p:sld xmlns:a="http://schemas.openxmlformats.org/drawingml/2006/main" xmlns:r="http://schemas.openxmlformats.org/officeDocument/2006/relationships" xmlns:p="http://schemas.openxmlformats.org/presentationml/2006/main">
-  <p:cSld>
-    <p:spTree>
-      <p:nvGrpSpPr>
-        <p:cNvPr id="1" name=""/>
-        <p:cNvGrpSpPr/>
-        <p:nvPr/>
-      </p:nvGrpSpPr>
-      <p:grpSpPr>
-        <a:xfrm>
-          <a:off x="0" y="0"/>
-          <a:ext cx="0" cy="0"/>
-          <a:chOff x="0" y="0"/>
-          <a:chExt cx="0" cy="0"/>
-        </a:xfrm>
-      </p:grpSpPr>
-      <p:sp>
-        <p:nvSpPr>
-          <p:cNvPr id="2" name="Title 1"/>
-          <p:cNvSpPr>
-            <a:spLocks noGrp="1"/>
-          </p:cNvSpPr>
-          <p:nvPr>
-            <p:ph type="title"/>
-          </p:nvPr>
-        </p:nvSpPr>
-        <p:spPr>
-          <a:xfrm>
-            <a:off x="628650" y="155263"/>
-            <a:ext cx="7886700" cy="526790"/>
-          </a:xfrm>
-        </p:spPr>
-        <p:txBody>
-          <a:bodyPr>
-            <a:normAutofit fontScale="90000"/>
-          </a:bodyPr>
-          <a:lstStyle/>
-          <a:p>
-            <a:pPr algn="ctr"/>
-            <a:r>
-              <a:rPr lang="en-US" sz="3200" b="1" dirty="0">
-                <a:latin typeface="Calibri" panose="020F0502020204030204" pitchFamily="34" charset="0"/>
-                <a:cs typeface="Calibri" panose="020F0502020204030204" pitchFamily="34" charset="0"/>
-              </a:rPr>
-              <a:t>The Transaction Process</a:t>
-            </a:r>
-            <a:endParaRPr lang="en-US" sz="3200" b="1" dirty="0">
-              <a:latin typeface="Calibri" panose="020F0502020204030204" pitchFamily="34" charset="0"/>
-              <a:cs typeface="Calibri" panose="020F0502020204030204" pitchFamily="34" charset="0"/>
-            </a:endParaRPr>
-          </a:p>
-        </p:txBody>
-      </p:sp>
-      <p:pic>
-        <p:nvPicPr>
-          <p:cNvPr id="5" name="内容占位符 4"/>
-          <p:cNvPicPr>
-            <a:picLocks noChangeAspect="1"/>
-          </p:cNvPicPr>
-          <p:nvPr>
-            <p:ph idx="1"/>
-          </p:nvPr>
-        </p:nvPicPr>
-        <p:blipFill>
-          <a:blip r:embed="rId1"/>
-          <a:stretch>
-            <a:fillRect/>
-          </a:stretch>
-        </p:blipFill>
-        <p:spPr>
-          <a:xfrm>
-            <a:off x="0" y="1319530"/>
-            <a:ext cx="9154160" cy="4732655"/>
-          </a:xfrm>
-          <a:prstGeom prst="rect">
-            <a:avLst/>
-          </a:prstGeom>
-        </p:spPr>
-      </p:pic>
-    </p:spTree>
-  </p:cSld>
-  <p:clrMapOvr>
-    <a:masterClrMapping/>
-  </p:clrMapOvr>
-</p:sld>
-</file>
-
-<file path=ppt/slides/slide16.xml><?xml version="1.0" encoding="utf-8"?>
-<p:sld xmlns:a="http://schemas.openxmlformats.org/drawingml/2006/main" xmlns:r="http://schemas.openxmlformats.org/officeDocument/2006/relationships" xmlns:p="http://schemas.openxmlformats.org/presentationml/2006/main">
-  <p:cSld>
-    <p:spTree>
-      <p:nvGrpSpPr>
-        <p:cNvPr id="1" name=""/>
-        <p:cNvGrpSpPr/>
-        <p:nvPr/>
-      </p:nvGrpSpPr>
-      <p:grpSpPr>
-        <a:xfrm>
-          <a:off x="0" y="0"/>
-          <a:ext cx="0" cy="0"/>
-          <a:chOff x="0" y="0"/>
-          <a:chExt cx="0" cy="0"/>
-        </a:xfrm>
-      </p:grpSpPr>
-      <p:sp>
-        <p:nvSpPr>
-          <p:cNvPr id="2" name="Title 1"/>
-          <p:cNvSpPr>
-            <a:spLocks noGrp="1"/>
-          </p:cNvSpPr>
-          <p:nvPr>
-            <p:ph type="title"/>
-          </p:nvPr>
-        </p:nvSpPr>
-        <p:spPr>
-          <a:xfrm>
-            <a:off x="628650" y="155263"/>
-            <a:ext cx="7886700" cy="526790"/>
-          </a:xfrm>
-        </p:spPr>
-        <p:txBody>
-          <a:bodyPr>
-            <a:normAutofit fontScale="90000"/>
-          </a:bodyPr>
-          <a:lstStyle/>
-          <a:p>
-            <a:pPr algn="ctr"/>
-            <a:r>
-              <a:rPr lang="en-US" sz="3200" b="1" dirty="0">
-                <a:latin typeface="Calibri" panose="020F0502020204030204" pitchFamily="34" charset="0"/>
-                <a:cs typeface="Calibri" panose="020F0502020204030204" pitchFamily="34" charset="0"/>
-              </a:rPr>
-              <a:t>Process Explanation</a:t>
-            </a:r>
-            <a:endParaRPr lang="en-US" sz="3200" b="1" dirty="0">
-              <a:latin typeface="Calibri" panose="020F0502020204030204" pitchFamily="34" charset="0"/>
-              <a:cs typeface="Calibri" panose="020F0502020204030204" pitchFamily="34" charset="0"/>
-            </a:endParaRPr>
-          </a:p>
-        </p:txBody>
-      </p:sp>
-      <p:sp>
-        <p:nvSpPr>
-          <p:cNvPr id="3" name="Content Placeholder 2"/>
-          <p:cNvSpPr>
-            <a:spLocks noGrp="1"/>
-          </p:cNvSpPr>
-          <p:nvPr>
-            <p:ph idx="1"/>
-          </p:nvPr>
-        </p:nvSpPr>
-        <p:spPr>
-          <a:xfrm>
-            <a:off x="628650" y="989044"/>
-            <a:ext cx="7886700" cy="5605719"/>
-          </a:xfrm>
-        </p:spPr>
-        <p:txBody>
-          <a:bodyPr>
-            <a:normAutofit lnSpcReduction="10000"/>
-          </a:bodyPr>
-          <a:lstStyle/>
-          <a:p>
-            <a:pPr defTabSz="342900">
-              <a:lnSpc>
-                <a:spcPct val="120000"/>
-              </a:lnSpc>
-            </a:pPr>
-            <a:r>
-              <a:rPr lang="en-US" altLang="en-US" sz="1800" dirty="0">
-                <a:solidFill>
-                  <a:srgbClr val="262626"/>
-                </a:solidFill>
-              </a:rPr>
-              <a:t>Transaction proposal (application SDK): 1. Transaction proposal is submitted by application SDK 2. It receives a transaction proposal response back (includes ReadWrite set) post endorsement 3. It submits the transaction (includes ReadWrite set) to the ordering service </a:t>
-            </a:r>
-            <a:endParaRPr lang="en-US" altLang="en-US" sz="1800" dirty="0">
-              <a:solidFill>
-                <a:srgbClr val="262626"/>
-              </a:solidFill>
-            </a:endParaRPr>
-          </a:p>
-          <a:p>
-            <a:pPr defTabSz="342900">
-              <a:lnSpc>
-                <a:spcPct val="120000"/>
-              </a:lnSpc>
-            </a:pPr>
-            <a:r>
-              <a:rPr lang="en-US" altLang="en-US" sz="1800" dirty="0">
-                <a:solidFill>
-                  <a:srgbClr val="262626"/>
-                </a:solidFill>
-              </a:rPr>
-              <a:t>Transaction endorsement: 1. The transaction is sent to the counter-parties represented by endorsing peers on their channel 2. Each peer executes the transaction by calling the specified chaincode function and signs the result, which becomes the read-write-set of the transaction 3. Each peer may participate in multiple channels, allowing concurrent execution</a:t>
-            </a:r>
-            <a:endParaRPr lang="en-US" altLang="en-US" sz="1800" dirty="0">
-              <a:solidFill>
-                <a:srgbClr val="262626"/>
-              </a:solidFill>
-            </a:endParaRPr>
-          </a:p>
-          <a:p>
-            <a:pPr defTabSz="342900">
-              <a:lnSpc>
-                <a:spcPct val="120000"/>
-              </a:lnSpc>
-            </a:pPr>
-            <a:r>
-              <a:rPr lang="en-US" altLang="en-US" sz="1800" dirty="0">
-                <a:solidFill>
-                  <a:srgbClr val="262626"/>
-                </a:solidFill>
-              </a:rPr>
-              <a:t>Transaction submitted to the ordering service: 1. The ordering service accepts endorsed transactions and orders them according to the plug-in consensus algorithm, and then delivers them on the channel 2. Peers on the channel receive transactions and validate before committing to the ledger </a:t>
-            </a:r>
-            <a:endParaRPr lang="en-US" altLang="en-US" sz="1800" dirty="0">
-              <a:solidFill>
-                <a:srgbClr val="262626"/>
-              </a:solidFill>
-            </a:endParaRPr>
-          </a:p>
-          <a:p>
-            <a:pPr defTabSz="342900">
-              <a:lnSpc>
-                <a:spcPct val="120000"/>
-              </a:lnSpc>
-            </a:pPr>
-            <a:r>
-              <a:rPr lang="en-US" altLang="en-US" sz="1800" dirty="0">
-                <a:solidFill>
-                  <a:srgbClr val="262626"/>
-                </a:solidFill>
-              </a:rPr>
-              <a:t>Transaction validation: 1. Validates each transaction and commit block 2. Validates the endorsement policy 3. Validates ReadSet versions in state DB 4. Commits the block to blockchain 5. Commits the valid transaction to state DB</a:t>
-            </a:r>
-            <a:endParaRPr lang="en-US" altLang="en-US" sz="1800" dirty="0">
-              <a:solidFill>
-                <a:srgbClr val="262626"/>
-              </a:solidFill>
-            </a:endParaRPr>
-          </a:p>
-        </p:txBody>
-      </p:sp>
-    </p:spTree>
-  </p:cSld>
-  <p:clrMapOvr>
-    <a:masterClrMapping/>
-  </p:clrMapOvr>
-</p:sld>
-</file>
-
-<file path=ppt/slides/slide17.xml><?xml version="1.0" encoding="utf-8"?>
-<p:sld xmlns:a="http://schemas.openxmlformats.org/drawingml/2006/main" xmlns:r="http://schemas.openxmlformats.org/officeDocument/2006/relationships" xmlns:p="http://schemas.openxmlformats.org/presentationml/2006/main">
-  <p:cSld>
-    <p:spTree>
-      <p:nvGrpSpPr>
-        <p:cNvPr id="1" name=""/>
-        <p:cNvGrpSpPr/>
-        <p:nvPr/>
-      </p:nvGrpSpPr>
-      <p:grpSpPr>
-        <a:xfrm>
-          <a:off x="0" y="0"/>
-          <a:ext cx="0" cy="0"/>
-          <a:chOff x="0" y="0"/>
-          <a:chExt cx="0" cy="0"/>
-        </a:xfrm>
-      </p:grpSpPr>
-      <p:sp>
-        <p:nvSpPr>
-          <p:cNvPr id="2" name="Title 1"/>
-          <p:cNvSpPr>
-            <a:spLocks noGrp="1"/>
-          </p:cNvSpPr>
-          <p:nvPr>
-            <p:ph type="ctrTitle"/>
-          </p:nvPr>
-        </p:nvSpPr>
-        <p:spPr>
-          <a:xfrm>
-            <a:off x="1143000" y="1951419"/>
-            <a:ext cx="6858000" cy="2387600"/>
-          </a:xfrm>
-        </p:spPr>
-        <p:txBody>
-          <a:bodyPr>
-            <a:noAutofit/>
-          </a:bodyPr>
-          <a:lstStyle/>
-          <a:p>
-            <a:pPr algn="l"/>
-            <a:r>
-              <a:rPr lang="en-US" altLang="zh-CN" sz="4400" b="1" dirty="0"/>
-              <a:t>WS-5 Lecture </a:t>
-            </a:r>
-            <a:br>
-              <a:rPr lang="en-US" altLang="zh-CN" sz="4400" b="1" dirty="0"/>
-            </a:br>
-            <a:r>
-              <a:rPr lang="en-US" altLang="zh-CN" sz="4400" b="1" dirty="0"/>
-              <a:t>Inclusive KYC and Certificates</a:t>
-            </a:r>
-            <a:br>
-              <a:rPr lang="en-US" altLang="zh-CN" sz="4400" b="1" dirty="0"/>
-            </a:br>
-            <a:r>
-              <a:rPr lang="en-US" altLang="zh-CN" sz="4400" b="1" dirty="0"/>
-              <a:t>Inclusive Education</a:t>
-            </a:r>
-            <a:endParaRPr lang="en-US" sz="2800" dirty="0"/>
-          </a:p>
-        </p:txBody>
-      </p:sp>
-      <p:sp>
-        <p:nvSpPr>
-          <p:cNvPr id="3" name="Subtitle 2"/>
-          <p:cNvSpPr>
-            <a:spLocks noGrp="1"/>
-          </p:cNvSpPr>
-          <p:nvPr>
-            <p:ph type="subTitle" idx="1"/>
-          </p:nvPr>
-        </p:nvSpPr>
-        <p:spPr>
-          <a:xfrm>
-            <a:off x="1143000" y="4681728"/>
-            <a:ext cx="6858000" cy="905256"/>
-          </a:xfrm>
-        </p:spPr>
-        <p:txBody>
-          <a:bodyPr>
-            <a:normAutofit/>
-          </a:bodyPr>
-          <a:lstStyle/>
-          <a:p>
-            <a:pPr algn="l"/>
-            <a:r>
-              <a:rPr lang="en-US" altLang="zh-CN" sz="2000" dirty="0"/>
-              <a:t>06</a:t>
-            </a:r>
-            <a:r>
-              <a:rPr lang="zh-CN" altLang="en-US" sz="2000" dirty="0"/>
-              <a:t> </a:t>
-            </a:r>
-            <a:r>
-              <a:rPr lang="en-US" altLang="zh-CN" sz="2000" dirty="0"/>
-              <a:t>July</a:t>
-            </a:r>
-            <a:r>
-              <a:rPr lang="zh-CN" altLang="en-US" sz="2000" dirty="0"/>
-              <a:t> </a:t>
-            </a:r>
-            <a:r>
-              <a:rPr lang="en-US" altLang="zh-CN" sz="2000" dirty="0"/>
-              <a:t>2020</a:t>
-            </a:r>
-            <a:endParaRPr lang="en-US" sz="2000" dirty="0"/>
-          </a:p>
-        </p:txBody>
-      </p:sp>
-      <p:cxnSp>
-        <p:nvCxnSpPr>
-          <p:cNvPr id="5" name="Straight Connector 4"/>
-          <p:cNvCxnSpPr/>
-          <p:nvPr/>
-        </p:nvCxnSpPr>
-        <p:spPr>
-          <a:xfrm>
-            <a:off x="1243584" y="4535424"/>
-            <a:ext cx="6266688" cy="0"/>
-          </a:xfrm>
-          <a:prstGeom prst="line">
-            <a:avLst/>
-          </a:prstGeom>
-        </p:spPr>
-        <p:style>
-          <a:lnRef idx="1">
-            <a:schemeClr val="accent1"/>
-          </a:lnRef>
-          <a:fillRef idx="0">
-            <a:schemeClr val="accent1"/>
-          </a:fillRef>
-          <a:effectRef idx="0">
-            <a:schemeClr val="accent1"/>
-          </a:effectRef>
-          <a:fontRef idx="minor">
-            <a:schemeClr val="tx1"/>
-          </a:fontRef>
-        </p:style>
-      </p:cxnSp>
-    </p:spTree>
-  </p:cSld>
-  <p:clrMapOvr>
-    <a:masterClrMapping/>
-  </p:clrMapOvr>
-</p:sld>
-</file>
-
-<file path=ppt/slides/slide18.xml><?xml version="1.0" encoding="utf-8"?>
-<p:sld xmlns:a="http://schemas.openxmlformats.org/drawingml/2006/main" xmlns:r="http://schemas.openxmlformats.org/officeDocument/2006/relationships" xmlns:p="http://schemas.openxmlformats.org/presentationml/2006/main">
-  <p:cSld>
-    <p:spTree>
-      <p:nvGrpSpPr>
-        <p:cNvPr id="1" name=""/>
-        <p:cNvGrpSpPr/>
-        <p:nvPr/>
-      </p:nvGrpSpPr>
-      <p:grpSpPr>
-        <a:xfrm>
-          <a:off x="0" y="0"/>
-          <a:ext cx="0" cy="0"/>
-          <a:chOff x="0" y="0"/>
-          <a:chExt cx="0" cy="0"/>
-        </a:xfrm>
-      </p:grpSpPr>
-      <p:sp>
-        <p:nvSpPr>
-          <p:cNvPr id="2" name="Title 1"/>
-          <p:cNvSpPr>
-            <a:spLocks noGrp="1"/>
-          </p:cNvSpPr>
-          <p:nvPr>
-            <p:ph type="title"/>
-          </p:nvPr>
-        </p:nvSpPr>
-        <p:spPr>
-          <a:xfrm>
-            <a:off x="540418" y="1552241"/>
-            <a:ext cx="7886700" cy="1325563"/>
-          </a:xfrm>
-        </p:spPr>
-        <p:txBody>
-          <a:bodyPr/>
-          <a:lstStyle/>
-          <a:p>
-            <a:r>
-              <a:rPr lang="en-US" altLang="zh-CN" b="1" dirty="0"/>
-              <a:t>Homework Results (</a:t>
-            </a:r>
-            <a:r>
-              <a:rPr lang="en-US" altLang="zh-CN" b="1" dirty="0" err="1"/>
-              <a:t>Mentimeter</a:t>
-            </a:r>
-            <a:r>
-              <a:rPr lang="en-US" altLang="zh-CN" b="1" dirty="0"/>
-              <a:t>)</a:t>
-            </a:r>
-            <a:endParaRPr lang="en-US" dirty="0"/>
           </a:p>
         </p:txBody>
       </p:sp>
